--- a/presentation_final.pptx
+++ b/presentation_final.pptx
@@ -3792,31 +3792,173 @@
         </p:nvSpPr>
         <p:spPr/>
         <p:txBody>
-          <a:bodyPr/>
+          <a:bodyPr>
+            <a:normAutofit/>
+          </a:bodyPr>
           <a:lstStyle/>
           <a:p>
             <a:r>
-              <a:rPr lang="en-US" dirty="0" smtClean="0"/>
-              <a:t>Book</a:t>
-            </a:r>
-          </a:p>
-          <a:p>
-            <a:r>
-              <a:rPr lang="en-US" dirty="0" smtClean="0"/>
-              <a:t>Paper</a:t>
-            </a:r>
-          </a:p>
-          <a:p>
-            <a:r>
-              <a:rPr lang="en-US" dirty="0" smtClean="0"/>
-              <a:t>Wikipedia</a:t>
-            </a:r>
-          </a:p>
-          <a:p>
-            <a:endParaRPr lang="en-US" dirty="0" smtClean="0"/>
-          </a:p>
-          <a:p>
-            <a:endParaRPr lang="en-US" dirty="0"/>
+              <a:rPr lang="en-US" sz="1600" dirty="0"/>
+              <a:t>Daniel </a:t>
+            </a:r>
+            <a:r>
+              <a:rPr lang="en-US" sz="1600" dirty="0" err="1"/>
+              <a:t>Jurafsky</a:t>
+            </a:r>
+            <a:r>
+              <a:rPr lang="en-US" sz="1600" dirty="0"/>
+              <a:t> and James H. Martin. 2009. Speech and Language Processing (2nd Edition). Prentice-Hall, Inc., Upper Saddle River, NJ, USA</a:t>
+            </a:r>
+            <a:r>
+              <a:rPr lang="en-US" sz="1600" dirty="0" smtClean="0"/>
+              <a:t>.</a:t>
+            </a:r>
+          </a:p>
+          <a:p>
+            <a:r>
+              <a:rPr lang="en-US" sz="1600" dirty="0" smtClean="0"/>
+              <a:t>Andrew </a:t>
+            </a:r>
+            <a:r>
+              <a:rPr lang="en-US" sz="1600" dirty="0"/>
+              <a:t>McCallum, </a:t>
+            </a:r>
+            <a:r>
+              <a:rPr lang="en-US" sz="1600" dirty="0" err="1" smtClean="0"/>
+              <a:t>Dayne</a:t>
+            </a:r>
+            <a:r>
+              <a:rPr lang="en-US" sz="1600" dirty="0" smtClean="0"/>
+              <a:t> </a:t>
+            </a:r>
+            <a:r>
+              <a:rPr lang="en-US" sz="1600" dirty="0" err="1"/>
+              <a:t>Freitag</a:t>
+            </a:r>
+            <a:r>
+              <a:rPr lang="en-US" sz="1600" dirty="0"/>
+              <a:t>, and </a:t>
+            </a:r>
+            <a:r>
+              <a:rPr lang="en-US" sz="1600" dirty="0" smtClean="0"/>
+              <a:t>Fernando </a:t>
+            </a:r>
+            <a:r>
+              <a:rPr lang="en-US" sz="1600" dirty="0"/>
+              <a:t>Pereira. </a:t>
+            </a:r>
+            <a:r>
+              <a:rPr lang="en-US" sz="1600" dirty="0" smtClean="0"/>
+              <a:t>2000. Maximum </a:t>
+            </a:r>
+            <a:r>
+              <a:rPr lang="en-US" sz="1600" dirty="0"/>
+              <a:t>Entropy Markov Models for </a:t>
+            </a:r>
+            <a:r>
+              <a:rPr lang="en-US" sz="1600" dirty="0" smtClean="0"/>
+              <a:t>Information </a:t>
+            </a:r>
+            <a:r>
+              <a:rPr lang="en-US" sz="1600" dirty="0"/>
+              <a:t>Extraction and Segmentation. In Intl. Conf. on Machine </a:t>
+            </a:r>
+            <a:r>
+              <a:rPr lang="en-US" sz="1600" dirty="0" smtClean="0"/>
+              <a:t>Learning.</a:t>
+            </a:r>
+          </a:p>
+          <a:p>
+            <a:r>
+              <a:rPr lang="en-US" sz="1600" dirty="0" smtClean="0"/>
+              <a:t>W. N. Francis and H. </a:t>
+            </a:r>
+            <a:r>
+              <a:rPr lang="en-US" sz="1600" dirty="0" err="1" smtClean="0"/>
+              <a:t>Kucera</a:t>
+            </a:r>
+            <a:r>
+              <a:rPr lang="en-US" sz="1600" dirty="0" smtClean="0"/>
+              <a:t>. 1979. Brown </a:t>
+            </a:r>
+            <a:r>
+              <a:rPr lang="en-US" sz="1600" dirty="0"/>
+              <a:t>Corpus Manual. </a:t>
+            </a:r>
+            <a:r>
+              <a:rPr lang="en-US" sz="1600" dirty="0">
+                <a:hlinkClick r:id="rId2"/>
+              </a:rPr>
+              <a:t>http://www.hit.uib.no/icame/brown/</a:t>
+            </a:r>
+            <a:r>
+              <a:rPr lang="en-US" sz="1600" dirty="0" smtClean="0">
+                <a:hlinkClick r:id="rId2"/>
+              </a:rPr>
+              <a:t>bcm.html</a:t>
+            </a:r>
+            <a:endParaRPr lang="en-US" sz="1600" dirty="0" smtClean="0"/>
+          </a:p>
+          <a:p>
+            <a:r>
+              <a:rPr lang="en-US" sz="1600" dirty="0"/>
+              <a:t>Eugene </a:t>
+            </a:r>
+            <a:r>
+              <a:rPr lang="en-US" sz="1600" dirty="0" err="1"/>
+              <a:t>Charniak</a:t>
+            </a:r>
+            <a:r>
+              <a:rPr lang="en-US" sz="1600" dirty="0"/>
+              <a:t>, Don </a:t>
+            </a:r>
+            <a:r>
+              <a:rPr lang="en-US" sz="1600" dirty="0" err="1"/>
+              <a:t>Blaheta</a:t>
+            </a:r>
+            <a:r>
+              <a:rPr lang="en-US" sz="1600" dirty="0"/>
+              <a:t>, </a:t>
+            </a:r>
+            <a:r>
+              <a:rPr lang="en-US" sz="1600" dirty="0" err="1"/>
+              <a:t>Niyu</a:t>
+            </a:r>
+            <a:r>
+              <a:rPr lang="en-US" sz="1600" dirty="0"/>
+              <a:t> </a:t>
+            </a:r>
+            <a:r>
+              <a:rPr lang="en-US" sz="1600" dirty="0" err="1"/>
+              <a:t>Ge</a:t>
+            </a:r>
+            <a:r>
+              <a:rPr lang="en-US" sz="1600" dirty="0"/>
+              <a:t>, Keith Hall, John Hale, </a:t>
+            </a:r>
+            <a:r>
+              <a:rPr lang="en-US" sz="1600" dirty="0" smtClean="0"/>
+              <a:t>and Mark Johnson. </a:t>
+            </a:r>
+            <a:r>
+              <a:rPr lang="en-US" sz="1600" dirty="0"/>
+              <a:t>2000. BLLIP 1987-89 WSJ Corpus Release </a:t>
+            </a:r>
+            <a:r>
+              <a:rPr lang="en-US" sz="1600" dirty="0" smtClean="0"/>
+              <a:t>1</a:t>
+            </a:r>
+            <a:r>
+              <a:rPr lang="en-US" sz="1600" dirty="0"/>
+              <a:t>. Philadelphia: Linguistic Data Consortium</a:t>
+            </a:r>
+            <a:endParaRPr lang="en-US" sz="1600" dirty="0" smtClean="0"/>
+          </a:p>
+          <a:p>
+            <a:endParaRPr lang="en-US" sz="1600" dirty="0" smtClean="0"/>
+          </a:p>
+          <a:p>
+            <a:endParaRPr lang="en-US" sz="1600" dirty="0"/>
           </a:p>
         </p:txBody>
       </p:sp>

--- a/presentation_final.pptx
+++ b/presentation_final.pptx
@@ -663,13 +663,48 @@
           <a:p>
             <a:r>
               <a:rPr lang="en-US" dirty="0" smtClean="0"/>
-              <a:t>Discuss indicator</a:t>
+              <a:t>Classic</a:t>
             </a:r>
             <a:r>
               <a:rPr lang="en-US" baseline="0" dirty="0" smtClean="0"/>
-              <a:t> function</a:t>
-            </a:r>
-            <a:endParaRPr lang="en-US" dirty="0"/>
+              <a:t> problem in NLP</a:t>
+            </a:r>
+          </a:p>
+          <a:p>
+            <a:r>
+              <a:rPr lang="en-US" baseline="0" dirty="0" smtClean="0"/>
+              <a:t>Hard</a:t>
+            </a:r>
+          </a:p>
+          <a:p>
+            <a:pPr marL="171450" indent="-171450">
+              <a:buFontTx/>
+              <a:buChar char="-"/>
+            </a:pPr>
+            <a:r>
+              <a:rPr lang="en-US" baseline="0" dirty="0" smtClean="0"/>
+              <a:t>Multiple part of speech</a:t>
+            </a:r>
+          </a:p>
+          <a:p>
+            <a:pPr marL="171450" indent="-171450">
+              <a:buFontTx/>
+              <a:buChar char="-"/>
+            </a:pPr>
+            <a:r>
+              <a:rPr lang="en-US" baseline="0" dirty="0" smtClean="0"/>
+              <a:t>Semantic dependent </a:t>
+            </a:r>
+          </a:p>
+          <a:p>
+            <a:pPr marL="171450" indent="-171450">
+              <a:buFontTx/>
+              <a:buChar char="-"/>
+            </a:pPr>
+            <a:r>
+              <a:rPr lang="en-US" baseline="0" dirty="0" smtClean="0"/>
+              <a:t>Debatable part of speech for some usage of words</a:t>
+            </a:r>
           </a:p>
         </p:txBody>
       </p:sp>
@@ -696,7 +731,7 @@
               <a:pPr>
                 <a:defRPr/>
               </a:pPr>
-              <a:t>5</a:t>
+              <a:t>2</a:t>
             </a:fld>
             <a:endParaRPr lang="en-US"/>
           </a:p>
@@ -705,7 +740,7 @@
     </p:spTree>
     <p:extLst>
       <p:ext uri="{BB962C8B-B14F-4D97-AF65-F5344CB8AC3E}">
-        <p14:creationId xmlns:p14="http://schemas.microsoft.com/office/powerpoint/2010/main" val="1686339596"/>
+        <p14:creationId xmlns:p14="http://schemas.microsoft.com/office/powerpoint/2010/main" val="1202397098"/>
       </p:ext>
     </p:extLst>
   </p:cSld>
@@ -761,31 +796,28 @@
           <a:p>
             <a:r>
               <a:rPr lang="en-US" dirty="0" smtClean="0"/>
-              <a:t>General / diverse </a:t>
-            </a:r>
-            <a:r>
-              <a:rPr lang="en-US" dirty="0" err="1" smtClean="0"/>
-              <a:t>vs</a:t>
-            </a:r>
-            <a:r>
-              <a:rPr lang="en-US" dirty="0" smtClean="0"/>
-              <a:t> specialized</a:t>
-            </a:r>
-          </a:p>
-          <a:p>
-            <a:r>
-              <a:rPr lang="en-US" dirty="0" smtClean="0"/>
-              <a:t>Popular</a:t>
+              <a:t>Traditionally done by hand</a:t>
+            </a:r>
+          </a:p>
+          <a:p>
+            <a:r>
+              <a:rPr lang="en-US" dirty="0" smtClean="0"/>
+              <a:t>HMM:</a:t>
             </a:r>
             <a:r>
               <a:rPr lang="en-US" baseline="0" dirty="0" smtClean="0"/>
-              <a:t> benchmark</a:t>
-            </a:r>
-          </a:p>
-          <a:p>
+              <a:t> tags as hidden states</a:t>
+            </a:r>
+            <a:endParaRPr lang="en-US" dirty="0" smtClean="0"/>
+          </a:p>
+          <a:p>
+            <a:r>
+              <a:rPr lang="en-US" dirty="0" smtClean="0"/>
+              <a:t>HMM:</a:t>
+            </a:r>
             <a:r>
               <a:rPr lang="en-US" baseline="0" dirty="0" smtClean="0"/>
-              <a:t>Ease of accessibility</a:t>
+              <a:t> Viterbi, Baum-Welch</a:t>
             </a:r>
           </a:p>
           <a:p>
@@ -816,7 +848,7 @@
               <a:pPr>
                 <a:defRPr/>
               </a:pPr>
-              <a:t>8</a:t>
+              <a:t>3</a:t>
             </a:fld>
             <a:endParaRPr lang="en-US"/>
           </a:p>
@@ -825,7 +857,7 @@
     </p:spTree>
     <p:extLst>
       <p:ext uri="{BB962C8B-B14F-4D97-AF65-F5344CB8AC3E}">
-        <p14:creationId xmlns:p14="http://schemas.microsoft.com/office/powerpoint/2010/main" val="8218942"/>
+        <p14:creationId xmlns:p14="http://schemas.microsoft.com/office/powerpoint/2010/main" val="3642602272"/>
       </p:ext>
     </p:extLst>
   </p:cSld>
@@ -881,34 +913,12 @@
           <a:p>
             <a:r>
               <a:rPr lang="en-US" dirty="0" smtClean="0"/>
-              <a:t>General / diverse </a:t>
-            </a:r>
-            <a:r>
-              <a:rPr lang="en-US" dirty="0" err="1" smtClean="0"/>
-              <a:t>vs</a:t>
-            </a:r>
-            <a:r>
-              <a:rPr lang="en-US" dirty="0" smtClean="0"/>
-              <a:t> specialized</a:t>
-            </a:r>
-          </a:p>
-          <a:p>
-            <a:r>
-              <a:rPr lang="en-US" dirty="0" smtClean="0"/>
-              <a:t>Popular</a:t>
+              <a:t>Discuss indicator</a:t>
             </a:r>
             <a:r>
               <a:rPr lang="en-US" baseline="0" dirty="0" smtClean="0"/>
-              <a:t> benchmark</a:t>
-            </a:r>
-          </a:p>
-          <a:p>
-            <a:r>
-              <a:rPr lang="en-US" baseline="0" dirty="0" smtClean="0"/>
-              <a:t>Ease of accessibility</a:t>
-            </a:r>
-          </a:p>
-          <a:p>
+              <a:t> function</a:t>
+            </a:r>
             <a:endParaRPr lang="en-US" dirty="0"/>
           </a:p>
         </p:txBody>
@@ -936,7 +946,127 @@
               <a:pPr>
                 <a:defRPr/>
               </a:pPr>
-              <a:t>9</a:t>
+              <a:t>5</a:t>
+            </a:fld>
+            <a:endParaRPr lang="en-US"/>
+          </a:p>
+        </p:txBody>
+      </p:sp>
+    </p:spTree>
+    <p:extLst>
+      <p:ext uri="{BB962C8B-B14F-4D97-AF65-F5344CB8AC3E}">
+        <p14:creationId xmlns:p14="http://schemas.microsoft.com/office/powerpoint/2010/main" val="1686339596"/>
+      </p:ext>
+    </p:extLst>
+  </p:cSld>
+  <p:clrMapOvr>
+    <a:masterClrMapping/>
+  </p:clrMapOvr>
+</p:notes>
+</file>
+
+<file path=ppt/notesSlides/notesSlide4.xml><?xml version="1.0" encoding="utf-8"?>
+<p:notes xmlns:a="http://schemas.openxmlformats.org/drawingml/2006/main" xmlns:r="http://schemas.openxmlformats.org/officeDocument/2006/relationships" xmlns:p="http://schemas.openxmlformats.org/presentationml/2006/main">
+  <p:cSld>
+    <p:spTree>
+      <p:nvGrpSpPr>
+        <p:cNvPr id="1" name=""/>
+        <p:cNvGrpSpPr/>
+        <p:nvPr/>
+      </p:nvGrpSpPr>
+      <p:grpSpPr>
+        <a:xfrm>
+          <a:off x="0" y="0"/>
+          <a:ext cx="0" cy="0"/>
+          <a:chOff x="0" y="0"/>
+          <a:chExt cx="0" cy="0"/>
+        </a:xfrm>
+      </p:grpSpPr>
+      <p:sp>
+        <p:nvSpPr>
+          <p:cNvPr id="2" name="Slide Image Placeholder 1"/>
+          <p:cNvSpPr>
+            <a:spLocks noGrp="1" noRot="1" noChangeAspect="1"/>
+          </p:cNvSpPr>
+          <p:nvPr>
+            <p:ph type="sldImg"/>
+          </p:nvPr>
+        </p:nvSpPr>
+        <p:spPr/>
+      </p:sp>
+      <p:sp>
+        <p:nvSpPr>
+          <p:cNvPr id="3" name="Notes Placeholder 2"/>
+          <p:cNvSpPr>
+            <a:spLocks noGrp="1"/>
+          </p:cNvSpPr>
+          <p:nvPr>
+            <p:ph type="body" idx="1"/>
+          </p:nvPr>
+        </p:nvSpPr>
+        <p:spPr/>
+        <p:txBody>
+          <a:bodyPr/>
+          <a:lstStyle/>
+          <a:p>
+            <a:r>
+              <a:rPr lang="en-US" dirty="0" smtClean="0"/>
+              <a:t>General / diverse </a:t>
+            </a:r>
+            <a:r>
+              <a:rPr lang="en-US" dirty="0" err="1" smtClean="0"/>
+              <a:t>vs</a:t>
+            </a:r>
+            <a:r>
+              <a:rPr lang="en-US" dirty="0" smtClean="0"/>
+              <a:t> specialized</a:t>
+            </a:r>
+          </a:p>
+          <a:p>
+            <a:r>
+              <a:rPr lang="en-US" dirty="0" smtClean="0"/>
+              <a:t>Popular</a:t>
+            </a:r>
+            <a:r>
+              <a:rPr lang="en-US" baseline="0" dirty="0" smtClean="0"/>
+              <a:t> benchmark</a:t>
+            </a:r>
+          </a:p>
+          <a:p>
+            <a:r>
+              <a:rPr lang="en-US" baseline="0" dirty="0" smtClean="0"/>
+              <a:t>Ease of accessibility</a:t>
+            </a:r>
+          </a:p>
+          <a:p>
+            <a:endParaRPr lang="en-US" dirty="0"/>
+          </a:p>
+        </p:txBody>
+      </p:sp>
+      <p:sp>
+        <p:nvSpPr>
+          <p:cNvPr id="4" name="Slide Number Placeholder 3"/>
+          <p:cNvSpPr>
+            <a:spLocks noGrp="1"/>
+          </p:cNvSpPr>
+          <p:nvPr>
+            <p:ph type="sldNum" sz="quarter" idx="10"/>
+          </p:nvPr>
+        </p:nvSpPr>
+        <p:spPr/>
+        <p:txBody>
+          <a:bodyPr/>
+          <a:lstStyle/>
+          <a:p>
+            <a:pPr>
+              <a:defRPr/>
+            </a:pPr>
+            <a:fld id="{6E074355-CE0D-4C68-A6CB-C364ED71B33B}" type="slidenum">
+              <a:rPr lang="en-US" smtClean="0"/>
+              <a:pPr>
+                <a:defRPr/>
+              </a:pPr>
+              <a:t>8</a:t>
             </a:fld>
             <a:endParaRPr lang="en-US"/>
           </a:p>
@@ -955,7 +1085,127 @@
 </p:notes>
 </file>
 
-<file path=ppt/notesSlides/notesSlide4.xml><?xml version="1.0" encoding="utf-8"?>
+<file path=ppt/notesSlides/notesSlide5.xml><?xml version="1.0" encoding="utf-8"?>
+<p:notes xmlns:a="http://schemas.openxmlformats.org/drawingml/2006/main" xmlns:r="http://schemas.openxmlformats.org/officeDocument/2006/relationships" xmlns:p="http://schemas.openxmlformats.org/presentationml/2006/main">
+  <p:cSld>
+    <p:spTree>
+      <p:nvGrpSpPr>
+        <p:cNvPr id="1" name=""/>
+        <p:cNvGrpSpPr/>
+        <p:nvPr/>
+      </p:nvGrpSpPr>
+      <p:grpSpPr>
+        <a:xfrm>
+          <a:off x="0" y="0"/>
+          <a:ext cx="0" cy="0"/>
+          <a:chOff x="0" y="0"/>
+          <a:chExt cx="0" cy="0"/>
+        </a:xfrm>
+      </p:grpSpPr>
+      <p:sp>
+        <p:nvSpPr>
+          <p:cNvPr id="2" name="Slide Image Placeholder 1"/>
+          <p:cNvSpPr>
+            <a:spLocks noGrp="1" noRot="1" noChangeAspect="1"/>
+          </p:cNvSpPr>
+          <p:nvPr>
+            <p:ph type="sldImg"/>
+          </p:nvPr>
+        </p:nvSpPr>
+        <p:spPr/>
+      </p:sp>
+      <p:sp>
+        <p:nvSpPr>
+          <p:cNvPr id="3" name="Notes Placeholder 2"/>
+          <p:cNvSpPr>
+            <a:spLocks noGrp="1"/>
+          </p:cNvSpPr>
+          <p:nvPr>
+            <p:ph type="body" idx="1"/>
+          </p:nvPr>
+        </p:nvSpPr>
+        <p:spPr/>
+        <p:txBody>
+          <a:bodyPr/>
+          <a:lstStyle/>
+          <a:p>
+            <a:r>
+              <a:rPr lang="en-US" dirty="0" smtClean="0"/>
+              <a:t>General / diverse </a:t>
+            </a:r>
+            <a:r>
+              <a:rPr lang="en-US" dirty="0" err="1" smtClean="0"/>
+              <a:t>vs</a:t>
+            </a:r>
+            <a:r>
+              <a:rPr lang="en-US" dirty="0" smtClean="0"/>
+              <a:t> specialized</a:t>
+            </a:r>
+          </a:p>
+          <a:p>
+            <a:r>
+              <a:rPr lang="en-US" dirty="0" smtClean="0"/>
+              <a:t>Popular</a:t>
+            </a:r>
+            <a:r>
+              <a:rPr lang="en-US" baseline="0" dirty="0" smtClean="0"/>
+              <a:t> benchmark</a:t>
+            </a:r>
+          </a:p>
+          <a:p>
+            <a:r>
+              <a:rPr lang="en-US" baseline="0" dirty="0" smtClean="0"/>
+              <a:t>Ease of accessibility</a:t>
+            </a:r>
+          </a:p>
+          <a:p>
+            <a:endParaRPr lang="en-US" dirty="0"/>
+          </a:p>
+        </p:txBody>
+      </p:sp>
+      <p:sp>
+        <p:nvSpPr>
+          <p:cNvPr id="4" name="Slide Number Placeholder 3"/>
+          <p:cNvSpPr>
+            <a:spLocks noGrp="1"/>
+          </p:cNvSpPr>
+          <p:nvPr>
+            <p:ph type="sldNum" sz="quarter" idx="10"/>
+          </p:nvPr>
+        </p:nvSpPr>
+        <p:spPr/>
+        <p:txBody>
+          <a:bodyPr/>
+          <a:lstStyle/>
+          <a:p>
+            <a:pPr>
+              <a:defRPr/>
+            </a:pPr>
+            <a:fld id="{6E074355-CE0D-4C68-A6CB-C364ED71B33B}" type="slidenum">
+              <a:rPr lang="en-US" smtClean="0"/>
+              <a:pPr>
+                <a:defRPr/>
+              </a:pPr>
+              <a:t>9</a:t>
+            </a:fld>
+            <a:endParaRPr lang="en-US"/>
+          </a:p>
+        </p:txBody>
+      </p:sp>
+    </p:spTree>
+    <p:extLst>
+      <p:ext uri="{BB962C8B-B14F-4D97-AF65-F5344CB8AC3E}">
+        <p14:creationId xmlns:p14="http://schemas.microsoft.com/office/powerpoint/2010/main" val="8218942"/>
+      </p:ext>
+    </p:extLst>
+  </p:cSld>
+  <p:clrMapOvr>
+    <a:masterClrMapping/>
+  </p:clrMapOvr>
+</p:notes>
+</file>
+
+<file path=ppt/notesSlides/notesSlide6.xml><?xml version="1.0" encoding="utf-8"?>
 <p:notes xmlns:a="http://schemas.openxmlformats.org/drawingml/2006/main" xmlns:r="http://schemas.openxmlformats.org/officeDocument/2006/relationships" xmlns:p="http://schemas.openxmlformats.org/presentationml/2006/main">
   <p:cSld>
     <p:spTree>
@@ -4021,7 +4271,15 @@
                   <a:srgbClr val="404040"/>
                 </a:solidFill>
               </a:rPr>
-              <a:t>Tagging </a:t>
+              <a:t>Tagging F</a:t>
+            </a:r>
+            <a:r>
+              <a:rPr lang="en-US" dirty="0" smtClean="0">
+                <a:solidFill>
+                  <a:srgbClr val="404040"/>
+                </a:solidFill>
+              </a:rPr>
+              <a:t>or Text</a:t>
             </a:r>
             <a:endParaRPr lang="en-US" dirty="0"/>
           </a:p>
@@ -4050,7 +4308,15 @@
           <a:p>
             <a:r>
               <a:rPr lang="en-US" dirty="0" smtClean="0"/>
-              <a:t>The context of the sentences is influenced by the POS of words</a:t>
+              <a:t>The </a:t>
+            </a:r>
+            <a:r>
+              <a:rPr lang="en-US" dirty="0"/>
+              <a:t>POS </a:t>
+            </a:r>
+            <a:r>
+              <a:rPr lang="en-US" dirty="0" smtClean="0"/>
+              <a:t>of a word is influenced by its definition and context</a:t>
             </a:r>
           </a:p>
           <a:p>
@@ -4077,7 +4343,7 @@
             </a:r>
             <a:r>
               <a:rPr lang="en-US" i="1" dirty="0" smtClean="0"/>
-              <a:t> cars were in a </a:t>
+              <a:t> car was in a </a:t>
             </a:r>
             <a:r>
               <a:rPr lang="en-US" i="1" dirty="0" smtClean="0">
@@ -4106,7 +4372,7 @@
         </p:nvSpPr>
         <p:spPr>
           <a:xfrm>
-            <a:off x="2590800" y="4614446"/>
+            <a:off x="2514600" y="4614446"/>
             <a:ext cx="1143000" cy="338554"/>
           </a:xfrm>
           <a:prstGeom prst="rect">
@@ -4136,7 +4402,7 @@
         </p:nvSpPr>
         <p:spPr>
           <a:xfrm>
-            <a:off x="5791200" y="4614446"/>
+            <a:off x="5562600" y="4614446"/>
             <a:ext cx="1143000" cy="338554"/>
           </a:xfrm>
           <a:prstGeom prst="rect">
@@ -4333,7 +4599,7 @@
             <a:r>
               <a:rPr lang="en-US" dirty="0" smtClean="0">
                 <a:solidFill>
-                  <a:srgbClr val="FF0000"/>
+                  <a:srgbClr val="0000FF"/>
                 </a:solidFill>
               </a:rPr>
               <a:t>Hidden Markov Model (HMM)</a:t>
@@ -4902,7 +5168,14 @@
             <a:pPr lvl="1"/>
             <a:r>
               <a:rPr lang="en-US" dirty="0" smtClean="0"/>
-              <a:t>500 English language text</a:t>
+              <a:t>500 randomly chosen English language text</a:t>
+            </a:r>
+          </a:p>
+          <a:p>
+            <a:pPr lvl="1"/>
+            <a:r>
+              <a:rPr lang="en-US" dirty="0" smtClean="0"/>
+              <a:t>Each with 2,000 or more words</a:t>
             </a:r>
           </a:p>
           <a:p>
